--- a/D2/PPT04-Docker-Volumes.pptx
+++ b/D2/PPT04-Docker-Volumes.pptx
@@ -224,7 +224,7 @@
           <a:p>
             <a:fld id="{F1FBAD93-F43D-4B4E-AF46-035A0A538904}" type="datetimeFigureOut">
               <a:rPr lang="en-IN" smtClean="0"/>
-              <a:t>23-05-2020</a:t>
+              <a:t>28-08-2025</a:t>
             </a:fld>
             <a:endParaRPr lang="en-IN"/>
           </a:p>
@@ -1318,12 +1318,6 @@
               <a:t>Vishwanath M S</a:t>
             </a:r>
           </a:p>
-          <a:p>
-            <a:r>
-              <a:rPr lang="en-US" dirty="0"/>
-              <a:t>Vishwacloudlab.org</a:t>
-            </a:r>
-          </a:p>
         </p:txBody>
       </p:sp>
       <p:sp>
@@ -1344,7 +1338,7 @@
             <a:fld id="{5B03344B-D0D9-437D-8838-1FD1C4F164B7}" type="datetimeFigureOut">
               <a:rPr lang="en-US" smtClean="0"/>
               <a:pPr/>
-              <a:t>5/23/2020</a:t>
+              <a:t>8/28/2025</a:t>
             </a:fld>
             <a:endParaRPr lang="en-US"/>
           </a:p>
@@ -1516,7 +1510,7 @@
             <a:fld id="{5B03344B-D0D9-437D-8838-1FD1C4F164B7}" type="datetimeFigureOut">
               <a:rPr lang="en-US" smtClean="0"/>
               <a:pPr/>
-              <a:t>5/23/2020</a:t>
+              <a:t>8/28/2025</a:t>
             </a:fld>
             <a:endParaRPr lang="en-US"/>
           </a:p>
@@ -1562,42 +1556,6 @@
               <a:t>‹#›</a:t>
             </a:fld>
             <a:endParaRPr lang="en-US"/>
-          </a:p>
-        </p:txBody>
-      </p:sp>
-      <p:sp>
-        <p:nvSpPr>
-          <p:cNvPr id="7" name="TextBox 6"/>
-          <p:cNvSpPr txBox="1"/>
-          <p:nvPr userDrawn="1"/>
-        </p:nvSpPr>
-        <p:spPr>
-          <a:xfrm>
-            <a:off x="8508989" y="6521337"/>
-            <a:ext cx="3795976" cy="369332"/>
-          </a:xfrm>
-          <a:prstGeom prst="rect">
-            <a:avLst/>
-          </a:prstGeom>
-          <a:noFill/>
-        </p:spPr>
-        <p:txBody>
-          <a:bodyPr wrap="none" rtlCol="0">
-            <a:spAutoFit/>
-          </a:bodyPr>
-          <a:lstStyle/>
-          <a:p>
-            <a:r>
-              <a:rPr lang="en-US" dirty="0">
-                <a:solidFill>
-                  <a:srgbClr val="FFFFFF">
-                    <a:lumMod val="50000"/>
-                  </a:srgbClr>
-                </a:solidFill>
-                <a:latin typeface="Engravers MT" panose="02090707080505020304" pitchFamily="18" charset="0"/>
-              </a:rPr>
-              <a:t>VISHWACLOUDLAB.ORG</a:t>
-            </a:r>
           </a:p>
         </p:txBody>
       </p:sp>
@@ -1812,7 +1770,7 @@
             <a:fld id="{5B03344B-D0D9-437D-8838-1FD1C4F164B7}" type="datetimeFigureOut">
               <a:rPr lang="en-US" smtClean="0"/>
               <a:pPr/>
-              <a:t>5/23/2020</a:t>
+              <a:t>8/28/2025</a:t>
             </a:fld>
             <a:endParaRPr lang="en-US"/>
           </a:p>
@@ -2233,7 +2191,7 @@
             <a:fld id="{5B03344B-D0D9-437D-8838-1FD1C4F164B7}" type="datetimeFigureOut">
               <a:rPr lang="en-US" smtClean="0"/>
               <a:pPr/>
-              <a:t>5/23/2020</a:t>
+              <a:t>8/28/2025</a:t>
             </a:fld>
             <a:endParaRPr lang="en-US"/>
           </a:p>
@@ -2284,42 +2242,6 @@
               <a:t>‹#›</a:t>
             </a:fld>
             <a:endParaRPr lang="en-US"/>
-          </a:p>
-        </p:txBody>
-      </p:sp>
-      <p:sp>
-        <p:nvSpPr>
-          <p:cNvPr id="8" name="TextBox 7"/>
-          <p:cNvSpPr txBox="1"/>
-          <p:nvPr userDrawn="1"/>
-        </p:nvSpPr>
-        <p:spPr>
-          <a:xfrm>
-            <a:off x="8508989" y="6521337"/>
-            <a:ext cx="3795976" cy="369332"/>
-          </a:xfrm>
-          <a:prstGeom prst="rect">
-            <a:avLst/>
-          </a:prstGeom>
-          <a:noFill/>
-        </p:spPr>
-        <p:txBody>
-          <a:bodyPr wrap="none" rtlCol="0">
-            <a:spAutoFit/>
-          </a:bodyPr>
-          <a:lstStyle/>
-          <a:p>
-            <a:r>
-              <a:rPr lang="en-US" dirty="0">
-                <a:solidFill>
-                  <a:srgbClr val="FFFFFF">
-                    <a:lumMod val="50000"/>
-                  </a:srgbClr>
-                </a:solidFill>
-                <a:latin typeface="Engravers MT" panose="02090707080505020304" pitchFamily="18" charset="0"/>
-              </a:rPr>
-              <a:t>VISHWACLOUDLAB.ORG</a:t>
-            </a:r>
           </a:p>
         </p:txBody>
       </p:sp>
@@ -2700,7 +2622,7 @@
             <a:fld id="{5B03344B-D0D9-437D-8838-1FD1C4F164B7}" type="datetimeFigureOut">
               <a:rPr lang="en-US" smtClean="0"/>
               <a:pPr/>
-              <a:t>5/23/2020</a:t>
+              <a:t>8/28/2025</a:t>
             </a:fld>
             <a:endParaRPr lang="en-US"/>
           </a:p>
@@ -2792,42 +2714,6 @@
           </a:fontRef>
         </p:style>
       </p:cxnSp>
-      <p:sp>
-        <p:nvSpPr>
-          <p:cNvPr id="10" name="TextBox 9"/>
-          <p:cNvSpPr txBox="1"/>
-          <p:nvPr userDrawn="1"/>
-        </p:nvSpPr>
-        <p:spPr>
-          <a:xfrm>
-            <a:off x="8508989" y="6521337"/>
-            <a:ext cx="3795976" cy="369332"/>
-          </a:xfrm>
-          <a:prstGeom prst="rect">
-            <a:avLst/>
-          </a:prstGeom>
-          <a:noFill/>
-        </p:spPr>
-        <p:txBody>
-          <a:bodyPr wrap="none" rtlCol="0">
-            <a:spAutoFit/>
-          </a:bodyPr>
-          <a:lstStyle/>
-          <a:p>
-            <a:r>
-              <a:rPr lang="en-US" dirty="0">
-                <a:solidFill>
-                  <a:srgbClr val="FFFFFF">
-                    <a:lumMod val="85000"/>
-                  </a:srgbClr>
-                </a:solidFill>
-                <a:latin typeface="Engravers MT" panose="02090707080505020304" pitchFamily="18" charset="0"/>
-              </a:rPr>
-              <a:t>VISHWACLOUDLAB.ORG</a:t>
-            </a:r>
-          </a:p>
-        </p:txBody>
-      </p:sp>
     </p:spTree>
     <p:extLst>
       <p:ext uri="{BB962C8B-B14F-4D97-AF65-F5344CB8AC3E}">
@@ -3018,7 +2904,7 @@
             <a:fld id="{5B03344B-D0D9-437D-8838-1FD1C4F164B7}" type="datetimeFigureOut">
               <a:rPr lang="en-US" smtClean="0"/>
               <a:pPr/>
-              <a:t>5/23/2020</a:t>
+              <a:t>8/28/2025</a:t>
             </a:fld>
             <a:endParaRPr lang="en-US"/>
           </a:p>
@@ -3064,42 +2950,6 @@
               <a:t>‹#›</a:t>
             </a:fld>
             <a:endParaRPr lang="en-US"/>
-          </a:p>
-        </p:txBody>
-      </p:sp>
-      <p:sp>
-        <p:nvSpPr>
-          <p:cNvPr id="9" name="TextBox 8"/>
-          <p:cNvSpPr txBox="1"/>
-          <p:nvPr userDrawn="1"/>
-        </p:nvSpPr>
-        <p:spPr>
-          <a:xfrm>
-            <a:off x="8508989" y="6521337"/>
-            <a:ext cx="3795976" cy="369332"/>
-          </a:xfrm>
-          <a:prstGeom prst="rect">
-            <a:avLst/>
-          </a:prstGeom>
-          <a:noFill/>
-        </p:spPr>
-        <p:txBody>
-          <a:bodyPr wrap="none" rtlCol="0">
-            <a:spAutoFit/>
-          </a:bodyPr>
-          <a:lstStyle/>
-          <a:p>
-            <a:r>
-              <a:rPr lang="en-US" dirty="0">
-                <a:solidFill>
-                  <a:srgbClr val="FFFFFF">
-                    <a:lumMod val="50000"/>
-                  </a:srgbClr>
-                </a:solidFill>
-                <a:latin typeface="Engravers MT" panose="02090707080505020304" pitchFamily="18" charset="0"/>
-              </a:rPr>
-              <a:t>VISHWACLOUDLAB.ORG</a:t>
-            </a:r>
           </a:p>
         </p:txBody>
       </p:sp>
@@ -3435,7 +3285,7 @@
             <a:fld id="{5B03344B-D0D9-437D-8838-1FD1C4F164B7}" type="datetimeFigureOut">
               <a:rPr lang="en-US" smtClean="0"/>
               <a:pPr/>
-              <a:t>5/23/2020</a:t>
+              <a:t>8/28/2025</a:t>
             </a:fld>
             <a:endParaRPr lang="en-US"/>
           </a:p>
@@ -3481,42 +3331,6 @@
               <a:t>‹#›</a:t>
             </a:fld>
             <a:endParaRPr lang="en-US"/>
-          </a:p>
-        </p:txBody>
-      </p:sp>
-      <p:sp>
-        <p:nvSpPr>
-          <p:cNvPr id="11" name="TextBox 10"/>
-          <p:cNvSpPr txBox="1"/>
-          <p:nvPr userDrawn="1"/>
-        </p:nvSpPr>
-        <p:spPr>
-          <a:xfrm>
-            <a:off x="8508989" y="6521337"/>
-            <a:ext cx="3795976" cy="369332"/>
-          </a:xfrm>
-          <a:prstGeom prst="rect">
-            <a:avLst/>
-          </a:prstGeom>
-          <a:noFill/>
-        </p:spPr>
-        <p:txBody>
-          <a:bodyPr wrap="none" rtlCol="0">
-            <a:spAutoFit/>
-          </a:bodyPr>
-          <a:lstStyle/>
-          <a:p>
-            <a:r>
-              <a:rPr lang="en-US" dirty="0">
-                <a:solidFill>
-                  <a:srgbClr val="FFFFFF">
-                    <a:lumMod val="50000"/>
-                  </a:srgbClr>
-                </a:solidFill>
-                <a:latin typeface="Engravers MT" panose="02090707080505020304" pitchFamily="18" charset="0"/>
-              </a:rPr>
-              <a:t>VISHWACLOUDLAB.ORG</a:t>
-            </a:r>
           </a:p>
         </p:txBody>
       </p:sp>
@@ -3591,7 +3405,7 @@
             <a:fld id="{5B03344B-D0D9-437D-8838-1FD1C4F164B7}" type="datetimeFigureOut">
               <a:rPr lang="en-US" smtClean="0"/>
               <a:pPr/>
-              <a:t>5/23/2020</a:t>
+              <a:t>8/28/2025</a:t>
             </a:fld>
             <a:endParaRPr lang="en-US"/>
           </a:p>
@@ -3637,42 +3451,6 @@
               <a:t>‹#›</a:t>
             </a:fld>
             <a:endParaRPr lang="en-US"/>
-          </a:p>
-        </p:txBody>
-      </p:sp>
-      <p:sp>
-        <p:nvSpPr>
-          <p:cNvPr id="6" name="TextBox 5"/>
-          <p:cNvSpPr txBox="1"/>
-          <p:nvPr userDrawn="1"/>
-        </p:nvSpPr>
-        <p:spPr>
-          <a:xfrm>
-            <a:off x="8508989" y="6521337"/>
-            <a:ext cx="3795976" cy="369332"/>
-          </a:xfrm>
-          <a:prstGeom prst="rect">
-            <a:avLst/>
-          </a:prstGeom>
-          <a:noFill/>
-        </p:spPr>
-        <p:txBody>
-          <a:bodyPr wrap="none" rtlCol="0">
-            <a:spAutoFit/>
-          </a:bodyPr>
-          <a:lstStyle/>
-          <a:p>
-            <a:r>
-              <a:rPr lang="en-US" dirty="0">
-                <a:solidFill>
-                  <a:srgbClr val="FFFFFF">
-                    <a:lumMod val="50000"/>
-                  </a:srgbClr>
-                </a:solidFill>
-                <a:latin typeface="Engravers MT" panose="02090707080505020304" pitchFamily="18" charset="0"/>
-              </a:rPr>
-              <a:t>VISHWACLOUDLAB.ORG</a:t>
-            </a:r>
           </a:p>
         </p:txBody>
       </p:sp>
@@ -3802,7 +3580,7 @@
             <a:fld id="{5B03344B-D0D9-437D-8838-1FD1C4F164B7}" type="datetimeFigureOut">
               <a:rPr lang="en-US" smtClean="0"/>
               <a:pPr/>
-              <a:t>5/23/2020</a:t>
+              <a:t>8/28/2025</a:t>
             </a:fld>
             <a:endParaRPr lang="en-US"/>
           </a:p>
@@ -3856,42 +3634,6 @@
               <a:t>‹#›</a:t>
             </a:fld>
             <a:endParaRPr lang="en-US"/>
-          </a:p>
-        </p:txBody>
-      </p:sp>
-      <p:sp>
-        <p:nvSpPr>
-          <p:cNvPr id="10" name="TextBox 9"/>
-          <p:cNvSpPr txBox="1"/>
-          <p:nvPr userDrawn="1"/>
-        </p:nvSpPr>
-        <p:spPr>
-          <a:xfrm>
-            <a:off x="8508989" y="6521337"/>
-            <a:ext cx="3795976" cy="369332"/>
-          </a:xfrm>
-          <a:prstGeom prst="rect">
-            <a:avLst/>
-          </a:prstGeom>
-          <a:noFill/>
-        </p:spPr>
-        <p:txBody>
-          <a:bodyPr wrap="none" rtlCol="0">
-            <a:spAutoFit/>
-          </a:bodyPr>
-          <a:lstStyle/>
-          <a:p>
-            <a:r>
-              <a:rPr lang="en-US" dirty="0">
-                <a:solidFill>
-                  <a:srgbClr val="FFFFFF">
-                    <a:lumMod val="85000"/>
-                  </a:srgbClr>
-                </a:solidFill>
-                <a:latin typeface="Engravers MT" panose="02090707080505020304" pitchFamily="18" charset="0"/>
-              </a:rPr>
-              <a:t>VISHWACLOUDLAB.ORG</a:t>
-            </a:r>
           </a:p>
         </p:txBody>
       </p:sp>
@@ -4196,7 +3938,7 @@
             <a:fld id="{5B03344B-D0D9-437D-8838-1FD1C4F164B7}" type="datetimeFigureOut">
               <a:rPr lang="en-US" smtClean="0"/>
               <a:pPr/>
-              <a:t>5/23/2020</a:t>
+              <a:t>8/28/2025</a:t>
             </a:fld>
             <a:endParaRPr lang="en-US"/>
           </a:p>
@@ -4275,42 +4017,6 @@
                 <a:srgbClr val="46464A"/>
               </a:solidFill>
             </a:endParaRPr>
-          </a:p>
-        </p:txBody>
-      </p:sp>
-      <p:sp>
-        <p:nvSpPr>
-          <p:cNvPr id="10" name="TextBox 9"/>
-          <p:cNvSpPr txBox="1"/>
-          <p:nvPr userDrawn="1"/>
-        </p:nvSpPr>
-        <p:spPr>
-          <a:xfrm>
-            <a:off x="8508989" y="6521337"/>
-            <a:ext cx="3795976" cy="369332"/>
-          </a:xfrm>
-          <a:prstGeom prst="rect">
-            <a:avLst/>
-          </a:prstGeom>
-          <a:noFill/>
-        </p:spPr>
-        <p:txBody>
-          <a:bodyPr wrap="none" rtlCol="0">
-            <a:spAutoFit/>
-          </a:bodyPr>
-          <a:lstStyle/>
-          <a:p>
-            <a:r>
-              <a:rPr lang="en-US" dirty="0">
-                <a:solidFill>
-                  <a:srgbClr val="FFFFFF">
-                    <a:lumMod val="50000"/>
-                  </a:srgbClr>
-                </a:solidFill>
-                <a:latin typeface="Engravers MT" panose="02090707080505020304" pitchFamily="18" charset="0"/>
-              </a:rPr>
-              <a:t>VISHWACLOUDLAB.ORG</a:t>
-            </a:r>
           </a:p>
         </p:txBody>
       </p:sp>
@@ -4625,7 +4331,7 @@
             <a:fld id="{5B03344B-D0D9-437D-8838-1FD1C4F164B7}" type="datetimeFigureOut">
               <a:rPr lang="en-US" smtClean="0"/>
               <a:pPr/>
-              <a:t>5/23/2020</a:t>
+              <a:t>8/28/2025</a:t>
             </a:fld>
             <a:endParaRPr lang="en-US"/>
           </a:p>
@@ -4904,7 +4610,7 @@
             <a:fld id="{5B03344B-D0D9-437D-8838-1FD1C4F164B7}" type="datetimeFigureOut">
               <a:rPr lang="en-US" smtClean="0"/>
               <a:pPr/>
-              <a:t>5/23/2020</a:t>
+              <a:t>8/28/2025</a:t>
             </a:fld>
             <a:endParaRPr lang="en-US"/>
           </a:p>
